--- a/9-project/-. 팀 프로젝트 구성도.pptx
+++ b/9-project/-. 팀 프로젝트 구성도.pptx
@@ -20909,11 +20909,7 @@
           <a:p>
             <a:r>
               <a:rPr lang="en-US" altLang="ko-KR" sz="1100" dirty="0" smtClean="0"/>
-              <a:t>React </a:t>
-            </a:r>
-            <a:r>
-              <a:rPr lang="en-US" altLang="ko-KR" sz="1100" dirty="0" smtClean="0"/>
-              <a:t>Components</a:t>
+              <a:t>React Components</a:t>
             </a:r>
             <a:endParaRPr lang="ko-KR" altLang="en-US" sz="1100" dirty="0"/>
           </a:p>

--- a/9-project/-. 팀 프로젝트 구성도.pptx
+++ b/9-project/-. 팀 프로젝트 구성도.pptx
@@ -260,7 +260,7 @@
           <a:p>
             <a:fld id="{BE385318-83E2-4817-A0DC-E225F8203930}" type="datetimeFigureOut">
               <a:rPr lang="ko-KR" altLang="en-US" smtClean="0"/>
-              <a:t>2021-11-22</a:t>
+              <a:t>2021-12-02</a:t>
             </a:fld>
             <a:endParaRPr lang="ko-KR" altLang="en-US"/>
           </a:p>
@@ -458,7 +458,7 @@
           <a:p>
             <a:fld id="{BE385318-83E2-4817-A0DC-E225F8203930}" type="datetimeFigureOut">
               <a:rPr lang="ko-KR" altLang="en-US" smtClean="0"/>
-              <a:t>2021-11-22</a:t>
+              <a:t>2021-12-02</a:t>
             </a:fld>
             <a:endParaRPr lang="ko-KR" altLang="en-US"/>
           </a:p>
@@ -666,7 +666,7 @@
           <a:p>
             <a:fld id="{BE385318-83E2-4817-A0DC-E225F8203930}" type="datetimeFigureOut">
               <a:rPr lang="ko-KR" altLang="en-US" smtClean="0"/>
-              <a:t>2021-11-22</a:t>
+              <a:t>2021-12-02</a:t>
             </a:fld>
             <a:endParaRPr lang="ko-KR" altLang="en-US"/>
           </a:p>
@@ -864,7 +864,7 @@
           <a:p>
             <a:fld id="{BE385318-83E2-4817-A0DC-E225F8203930}" type="datetimeFigureOut">
               <a:rPr lang="ko-KR" altLang="en-US" smtClean="0"/>
-              <a:t>2021-11-22</a:t>
+              <a:t>2021-12-02</a:t>
             </a:fld>
             <a:endParaRPr lang="ko-KR" altLang="en-US"/>
           </a:p>
@@ -1139,7 +1139,7 @@
           <a:p>
             <a:fld id="{BE385318-83E2-4817-A0DC-E225F8203930}" type="datetimeFigureOut">
               <a:rPr lang="ko-KR" altLang="en-US" smtClean="0"/>
-              <a:t>2021-11-22</a:t>
+              <a:t>2021-12-02</a:t>
             </a:fld>
             <a:endParaRPr lang="ko-KR" altLang="en-US"/>
           </a:p>
@@ -1404,7 +1404,7 @@
           <a:p>
             <a:fld id="{BE385318-83E2-4817-A0DC-E225F8203930}" type="datetimeFigureOut">
               <a:rPr lang="ko-KR" altLang="en-US" smtClean="0"/>
-              <a:t>2021-11-22</a:t>
+              <a:t>2021-12-02</a:t>
             </a:fld>
             <a:endParaRPr lang="ko-KR" altLang="en-US"/>
           </a:p>
@@ -1816,7 +1816,7 @@
           <a:p>
             <a:fld id="{BE385318-83E2-4817-A0DC-E225F8203930}" type="datetimeFigureOut">
               <a:rPr lang="ko-KR" altLang="en-US" smtClean="0"/>
-              <a:t>2021-11-22</a:t>
+              <a:t>2021-12-02</a:t>
             </a:fld>
             <a:endParaRPr lang="ko-KR" altLang="en-US"/>
           </a:p>
@@ -1957,7 +1957,7 @@
           <a:p>
             <a:fld id="{BE385318-83E2-4817-A0DC-E225F8203930}" type="datetimeFigureOut">
               <a:rPr lang="ko-KR" altLang="en-US" smtClean="0"/>
-              <a:t>2021-11-22</a:t>
+              <a:t>2021-12-02</a:t>
             </a:fld>
             <a:endParaRPr lang="ko-KR" altLang="en-US"/>
           </a:p>
@@ -2070,7 +2070,7 @@
           <a:p>
             <a:fld id="{BE385318-83E2-4817-A0DC-E225F8203930}" type="datetimeFigureOut">
               <a:rPr lang="ko-KR" altLang="en-US" smtClean="0"/>
-              <a:t>2021-11-22</a:t>
+              <a:t>2021-12-02</a:t>
             </a:fld>
             <a:endParaRPr lang="ko-KR" altLang="en-US"/>
           </a:p>
@@ -2381,7 +2381,7 @@
           <a:p>
             <a:fld id="{BE385318-83E2-4817-A0DC-E225F8203930}" type="datetimeFigureOut">
               <a:rPr lang="ko-KR" altLang="en-US" smtClean="0"/>
-              <a:t>2021-11-22</a:t>
+              <a:t>2021-12-02</a:t>
             </a:fld>
             <a:endParaRPr lang="ko-KR" altLang="en-US"/>
           </a:p>
@@ -2669,7 +2669,7 @@
           <a:p>
             <a:fld id="{BE385318-83E2-4817-A0DC-E225F8203930}" type="datetimeFigureOut">
               <a:rPr lang="ko-KR" altLang="en-US" smtClean="0"/>
-              <a:t>2021-11-22</a:t>
+              <a:t>2021-12-02</a:t>
             </a:fld>
             <a:endParaRPr lang="ko-KR" altLang="en-US"/>
           </a:p>
@@ -2910,7 +2910,7 @@
           <a:p>
             <a:fld id="{BE385318-83E2-4817-A0DC-E225F8203930}" type="datetimeFigureOut">
               <a:rPr lang="ko-KR" altLang="en-US" smtClean="0"/>
-              <a:t>2021-11-22</a:t>
+              <a:t>2021-12-02</a:t>
             </a:fld>
             <a:endParaRPr lang="ko-KR" altLang="en-US"/>
           </a:p>
@@ -20500,7 +20500,7 @@
         <p:spPr>
           <a:xfrm>
             <a:off x="2138655" y="284513"/>
-            <a:ext cx="1617879" cy="461665"/>
+            <a:ext cx="1027845" cy="461665"/>
           </a:xfrm>
           <a:prstGeom prst="rect">
             <a:avLst/>
@@ -20515,7 +20515,7 @@
           <a:p>
             <a:r>
               <a:rPr lang="en-US" altLang="ko-KR" sz="2400" b="1" dirty="0" smtClean="0"/>
-              <a:t>Front End</a:t>
+              <a:t>Client</a:t>
             </a:r>
             <a:endParaRPr lang="ko-KR" altLang="en-US" sz="2400" b="1" dirty="0"/>
           </a:p>
@@ -20530,7 +20530,7 @@
         <p:spPr>
           <a:xfrm>
             <a:off x="8701311" y="306463"/>
-            <a:ext cx="1523174" cy="461665"/>
+            <a:ext cx="1117870" cy="461665"/>
           </a:xfrm>
           <a:prstGeom prst="rect">
             <a:avLst/>
@@ -20545,7 +20545,7 @@
           <a:p>
             <a:r>
               <a:rPr lang="en-US" altLang="ko-KR" sz="2400" b="1" dirty="0" smtClean="0"/>
-              <a:t>Back End</a:t>
+              <a:t>Server</a:t>
             </a:r>
             <a:endParaRPr lang="ko-KR" altLang="en-US" sz="2400" b="1" dirty="0"/>
           </a:p>
